--- a/Presentation.pptx
+++ b/Presentation.pptx
@@ -1937,7 +1937,7 @@
           <a:p>
             <a:fld id="{D766FC33-2026-43BF-B1FC-D6258364732A}" type="datetimeFigureOut">
               <a:rPr lang="en-US" smtClean="0"/>
-              <a:t>12/4/2023</a:t>
+              <a:t>5/19/2025</a:t>
             </a:fld>
             <a:endParaRPr lang="en-US"/>
           </a:p>
@@ -3210,7 +3210,7 @@
           <a:p>
             <a:fld id="{A35D3960-A7F0-4A40-9F21-A04FFDEF28A3}" type="datetimeFigureOut">
               <a:rPr lang="en-US" smtClean="0"/>
-              <a:t>12/4/2023</a:t>
+              <a:t>5/19/2025</a:t>
             </a:fld>
             <a:endParaRPr lang="en-US"/>
           </a:p>
@@ -3506,7 +3506,7 @@
           <a:p>
             <a:fld id="{A35D3960-A7F0-4A40-9F21-A04FFDEF28A3}" type="datetimeFigureOut">
               <a:rPr lang="en-US" smtClean="0"/>
-              <a:t>12/4/2023</a:t>
+              <a:t>5/19/2025</a:t>
             </a:fld>
             <a:endParaRPr lang="en-US"/>
           </a:p>
@@ -3754,7 +3754,7 @@
           <a:p>
             <a:fld id="{A35D3960-A7F0-4A40-9F21-A04FFDEF28A3}" type="datetimeFigureOut">
               <a:rPr lang="en-US" smtClean="0"/>
-              <a:t>12/4/2023</a:t>
+              <a:t>5/19/2025</a:t>
             </a:fld>
             <a:endParaRPr lang="en-US"/>
           </a:p>
@@ -4294,7 +4294,7 @@
           <a:p>
             <a:fld id="{A35D3960-A7F0-4A40-9F21-A04FFDEF28A3}" type="datetimeFigureOut">
               <a:rPr lang="en-US" smtClean="0"/>
-              <a:t>12/4/2023</a:t>
+              <a:t>5/19/2025</a:t>
             </a:fld>
             <a:endParaRPr lang="en-US"/>
           </a:p>
@@ -4542,7 +4542,7 @@
           <a:p>
             <a:fld id="{A35D3960-A7F0-4A40-9F21-A04FFDEF28A3}" type="datetimeFigureOut">
               <a:rPr lang="en-US" smtClean="0"/>
-              <a:t>12/4/2023</a:t>
+              <a:t>5/19/2025</a:t>
             </a:fld>
             <a:endParaRPr lang="en-US"/>
           </a:p>
@@ -5074,7 +5074,7 @@
           <a:p>
             <a:fld id="{A35D3960-A7F0-4A40-9F21-A04FFDEF28A3}" type="datetimeFigureOut">
               <a:rPr lang="en-US" smtClean="0"/>
-              <a:t>12/4/2023</a:t>
+              <a:t>5/19/2025</a:t>
             </a:fld>
             <a:endParaRPr lang="en-US"/>
           </a:p>
@@ -5371,7 +5371,7 @@
           <a:p>
             <a:fld id="{A35D3960-A7F0-4A40-9F21-A04FFDEF28A3}" type="datetimeFigureOut">
               <a:rPr lang="en-US" smtClean="0"/>
-              <a:t>12/4/2023</a:t>
+              <a:t>5/19/2025</a:t>
             </a:fld>
             <a:endParaRPr lang="en-US"/>
           </a:p>
@@ -5545,7 +5545,7 @@
           <a:p>
             <a:fld id="{A35D3960-A7F0-4A40-9F21-A04FFDEF28A3}" type="datetimeFigureOut">
               <a:rPr lang="en-US" smtClean="0"/>
-              <a:t>12/4/2023</a:t>
+              <a:t>5/19/2025</a:t>
             </a:fld>
             <a:endParaRPr lang="en-US"/>
           </a:p>
@@ -5725,7 +5725,7 @@
           <a:p>
             <a:fld id="{A35D3960-A7F0-4A40-9F21-A04FFDEF28A3}" type="datetimeFigureOut">
               <a:rPr lang="en-US" smtClean="0"/>
-              <a:t>12/4/2023</a:t>
+              <a:t>5/19/2025</a:t>
             </a:fld>
             <a:endParaRPr lang="en-US"/>
           </a:p>
@@ -5895,7 +5895,7 @@
           <a:p>
             <a:fld id="{A35D3960-A7F0-4A40-9F21-A04FFDEF28A3}" type="datetimeFigureOut">
               <a:rPr lang="en-US" smtClean="0"/>
-              <a:t>12/4/2023</a:t>
+              <a:t>5/19/2025</a:t>
             </a:fld>
             <a:endParaRPr lang="en-US"/>
           </a:p>
@@ -6146,7 +6146,7 @@
           <a:p>
             <a:fld id="{A35D3960-A7F0-4A40-9F21-A04FFDEF28A3}" type="datetimeFigureOut">
               <a:rPr lang="en-US" smtClean="0"/>
-              <a:t>12/4/2023</a:t>
+              <a:t>5/19/2025</a:t>
             </a:fld>
             <a:endParaRPr lang="en-US"/>
           </a:p>
@@ -6443,7 +6443,7 @@
           <a:p>
             <a:fld id="{A35D3960-A7F0-4A40-9F21-A04FFDEF28A3}" type="datetimeFigureOut">
               <a:rPr lang="en-US" smtClean="0"/>
-              <a:t>12/4/2023</a:t>
+              <a:t>5/19/2025</a:t>
             </a:fld>
             <a:endParaRPr lang="en-US"/>
           </a:p>
@@ -6885,7 +6885,7 @@
           <a:p>
             <a:fld id="{A35D3960-A7F0-4A40-9F21-A04FFDEF28A3}" type="datetimeFigureOut">
               <a:rPr lang="en-US" smtClean="0"/>
-              <a:t>12/4/2023</a:t>
+              <a:t>5/19/2025</a:t>
             </a:fld>
             <a:endParaRPr lang="en-US"/>
           </a:p>
@@ -7003,7 +7003,7 @@
           <a:p>
             <a:fld id="{A35D3960-A7F0-4A40-9F21-A04FFDEF28A3}" type="datetimeFigureOut">
               <a:rPr lang="en-US" smtClean="0"/>
-              <a:t>12/4/2023</a:t>
+              <a:t>5/19/2025</a:t>
             </a:fld>
             <a:endParaRPr lang="en-US"/>
           </a:p>
@@ -7098,7 +7098,7 @@
           <a:p>
             <a:fld id="{A35D3960-A7F0-4A40-9F21-A04FFDEF28A3}" type="datetimeFigureOut">
               <a:rPr lang="en-US" smtClean="0"/>
-              <a:t>12/4/2023</a:t>
+              <a:t>5/19/2025</a:t>
             </a:fld>
             <a:endParaRPr lang="en-US"/>
           </a:p>
@@ -7381,7 +7381,7 @@
           <a:p>
             <a:fld id="{A35D3960-A7F0-4A40-9F21-A04FFDEF28A3}" type="datetimeFigureOut">
               <a:rPr lang="en-US" smtClean="0"/>
-              <a:t>12/4/2023</a:t>
+              <a:t>5/19/2025</a:t>
             </a:fld>
             <a:endParaRPr lang="en-US"/>
           </a:p>
@@ -7672,7 +7672,7 @@
           <a:p>
             <a:fld id="{A35D3960-A7F0-4A40-9F21-A04FFDEF28A3}" type="datetimeFigureOut">
               <a:rPr lang="en-US" smtClean="0"/>
-              <a:t>12/4/2023</a:t>
+              <a:t>5/19/2025</a:t>
             </a:fld>
             <a:endParaRPr lang="en-US"/>
           </a:p>
@@ -8202,7 +8202,7 @@
           <a:p>
             <a:fld id="{A35D3960-A7F0-4A40-9F21-A04FFDEF28A3}" type="datetimeFigureOut">
               <a:rPr lang="en-US" smtClean="0"/>
-              <a:t>12/4/2023</a:t>
+              <a:t>5/19/2025</a:t>
             </a:fld>
             <a:endParaRPr lang="en-US"/>
           </a:p>
@@ -9393,7 +9393,7 @@
         <p:spPr>
           <a:xfrm>
             <a:off x="8145126" y="5736188"/>
-            <a:ext cx="3828836" cy="954107"/>
+            <a:ext cx="3828836" cy="523220"/>
           </a:xfrm>
           <a:prstGeom prst="rect">
             <a:avLst/>
@@ -9417,27 +9417,6 @@
               </a:rPr>
               <a:t>JANI SHARIFF SHAIK</a:t>
             </a:r>
-          </a:p>
-          <a:p>
-            <a:r>
-              <a:rPr lang="en-US" sz="2800" dirty="0">
-                <a:ln w="0"/>
-                <a:solidFill>
-                  <a:schemeClr val="bg1"/>
-                </a:solidFill>
-                <a:latin typeface="Times New Roman" panose="02020603050405020304" pitchFamily="18" charset="0"/>
-                <a:cs typeface="Times New Roman" panose="02020603050405020304" pitchFamily="18" charset="0"/>
-              </a:rPr>
-              <a:t>YOUSIF ALOUFI</a:t>
-            </a:r>
-            <a:endParaRPr lang="en-US" sz="2800" b="0" cap="none" spc="0" dirty="0">
-              <a:ln w="0"/>
-              <a:solidFill>
-                <a:schemeClr val="bg1"/>
-              </a:solidFill>
-              <a:latin typeface="Times New Roman" panose="02020603050405020304" pitchFamily="18" charset="0"/>
-              <a:cs typeface="Times New Roman" panose="02020603050405020304" pitchFamily="18" charset="0"/>
-            </a:endParaRPr>
           </a:p>
         </p:txBody>
       </p:sp>
@@ -14132,8 +14111,8 @@
         </p:nvSpPr>
         <p:spPr>
           <a:xfrm>
-            <a:off x="7922840" y="5799445"/>
-            <a:ext cx="4118348" cy="954107"/>
+            <a:off x="8073632" y="6073171"/>
+            <a:ext cx="4118348" cy="523220"/>
           </a:xfrm>
           <a:prstGeom prst="rect">
             <a:avLst/>
@@ -14155,23 +14134,6 @@
               </a:rPr>
               <a:t>JANI SHARIFF SHAIK</a:t>
             </a:r>
-          </a:p>
-          <a:p>
-            <a:r>
-              <a:rPr lang="en-US" sz="2800" i="1" dirty="0">
-                <a:ln w="0"/>
-                <a:latin typeface="ADLaM Display" panose="020F0502020204030204" pitchFamily="2" charset="0"/>
-                <a:ea typeface="ADLaM Display" panose="020F0502020204030204" pitchFamily="2" charset="0"/>
-                <a:cs typeface="ADLaM Display" panose="020F0502020204030204" pitchFamily="2" charset="0"/>
-              </a:rPr>
-              <a:t>YOUSIF SAEED ALOUFI</a:t>
-            </a:r>
-            <a:endParaRPr lang="en-US" sz="2800" b="0" i="1" cap="none" spc="0" dirty="0">
-              <a:ln w="0"/>
-              <a:latin typeface="ADLaM Display" panose="020F0502020204030204" pitchFamily="2" charset="0"/>
-              <a:ea typeface="ADLaM Display" panose="020F0502020204030204" pitchFamily="2" charset="0"/>
-              <a:cs typeface="ADLaM Display" panose="020F0502020204030204" pitchFamily="2" charset="0"/>
-            </a:endParaRPr>
           </a:p>
         </p:txBody>
       </p:sp>
